--- a/public/images/diagrams.pptx
+++ b/public/images/diagrams.pptx
@@ -104,6 +104,11 @@
       </a:defRPr>
     </a:lvl9pPr>
   </p:defaultTextStyle>
+  <p:extLst>
+    <p:ext uri="{EFAFB233-063F-42B5-8137-9DF3F51BA10A}">
+      <p15:sldGuideLst xmlns:p15="http://schemas.microsoft.com/office/powerpoint/2012/main"/>
+    </p:ext>
+  </p:extLst>
 </p:presentation>
 </file>
 
@@ -256,7 +261,7 @@
           <a:p>
             <a:fld id="{8D69976C-125B-AB49-9CB6-1841D07C855B}" type="datetimeFigureOut">
               <a:rPr lang="en-CH" smtClean="0"/>
-              <a:t>05.09.20</a:t>
+              <a:t>08.09.20</a:t>
             </a:fld>
             <a:endParaRPr lang="en-CH"/>
           </a:p>
@@ -456,7 +461,7 @@
           <a:p>
             <a:fld id="{8D69976C-125B-AB49-9CB6-1841D07C855B}" type="datetimeFigureOut">
               <a:rPr lang="en-CH" smtClean="0"/>
-              <a:t>05.09.20</a:t>
+              <a:t>08.09.20</a:t>
             </a:fld>
             <a:endParaRPr lang="en-CH"/>
           </a:p>
@@ -666,7 +671,7 @@
           <a:p>
             <a:fld id="{8D69976C-125B-AB49-9CB6-1841D07C855B}" type="datetimeFigureOut">
               <a:rPr lang="en-CH" smtClean="0"/>
-              <a:t>05.09.20</a:t>
+              <a:t>08.09.20</a:t>
             </a:fld>
             <a:endParaRPr lang="en-CH"/>
           </a:p>
@@ -866,7 +871,7 @@
           <a:p>
             <a:fld id="{8D69976C-125B-AB49-9CB6-1841D07C855B}" type="datetimeFigureOut">
               <a:rPr lang="en-CH" smtClean="0"/>
-              <a:t>05.09.20</a:t>
+              <a:t>08.09.20</a:t>
             </a:fld>
             <a:endParaRPr lang="en-CH"/>
           </a:p>
@@ -1142,7 +1147,7 @@
           <a:p>
             <a:fld id="{8D69976C-125B-AB49-9CB6-1841D07C855B}" type="datetimeFigureOut">
               <a:rPr lang="en-CH" smtClean="0"/>
-              <a:t>05.09.20</a:t>
+              <a:t>08.09.20</a:t>
             </a:fld>
             <a:endParaRPr lang="en-CH"/>
           </a:p>
@@ -1410,7 +1415,7 @@
           <a:p>
             <a:fld id="{8D69976C-125B-AB49-9CB6-1841D07C855B}" type="datetimeFigureOut">
               <a:rPr lang="en-CH" smtClean="0"/>
-              <a:t>05.09.20</a:t>
+              <a:t>08.09.20</a:t>
             </a:fld>
             <a:endParaRPr lang="en-CH"/>
           </a:p>
@@ -1825,7 +1830,7 @@
           <a:p>
             <a:fld id="{8D69976C-125B-AB49-9CB6-1841D07C855B}" type="datetimeFigureOut">
               <a:rPr lang="en-CH" smtClean="0"/>
-              <a:t>05.09.20</a:t>
+              <a:t>08.09.20</a:t>
             </a:fld>
             <a:endParaRPr lang="en-CH"/>
           </a:p>
@@ -1967,7 +1972,7 @@
           <a:p>
             <a:fld id="{8D69976C-125B-AB49-9CB6-1841D07C855B}" type="datetimeFigureOut">
               <a:rPr lang="en-CH" smtClean="0"/>
-              <a:t>05.09.20</a:t>
+              <a:t>08.09.20</a:t>
             </a:fld>
             <a:endParaRPr lang="en-CH"/>
           </a:p>
@@ -2080,7 +2085,7 @@
           <a:p>
             <a:fld id="{8D69976C-125B-AB49-9CB6-1841D07C855B}" type="datetimeFigureOut">
               <a:rPr lang="en-CH" smtClean="0"/>
-              <a:t>05.09.20</a:t>
+              <a:t>08.09.20</a:t>
             </a:fld>
             <a:endParaRPr lang="en-CH"/>
           </a:p>
@@ -2393,7 +2398,7 @@
           <a:p>
             <a:fld id="{8D69976C-125B-AB49-9CB6-1841D07C855B}" type="datetimeFigureOut">
               <a:rPr lang="en-CH" smtClean="0"/>
-              <a:t>05.09.20</a:t>
+              <a:t>08.09.20</a:t>
             </a:fld>
             <a:endParaRPr lang="en-CH"/>
           </a:p>
@@ -2682,7 +2687,7 @@
           <a:p>
             <a:fld id="{8D69976C-125B-AB49-9CB6-1841D07C855B}" type="datetimeFigureOut">
               <a:rPr lang="en-CH" smtClean="0"/>
-              <a:t>05.09.20</a:t>
+              <a:t>08.09.20</a:t>
             </a:fld>
             <a:endParaRPr lang="en-CH"/>
           </a:p>
@@ -2925,7 +2930,7 @@
           <a:p>
             <a:fld id="{8D69976C-125B-AB49-9CB6-1841D07C855B}" type="datetimeFigureOut">
               <a:rPr lang="en-CH" smtClean="0"/>
-              <a:t>05.09.20</a:t>
+              <a:t>08.09.20</a:t>
             </a:fld>
             <a:endParaRPr lang="en-CH"/>
           </a:p>
@@ -4798,6 +4803,217 @@
           </a:fontRef>
         </p:style>
       </p:cxnSp>
+      <p:sp>
+        <p:nvSpPr>
+          <p:cNvPr id="33" name="Rectangle 32">
+            <a:extLst>
+              <a:ext uri="{FF2B5EF4-FFF2-40B4-BE49-F238E27FC236}">
+                <a16:creationId xmlns:a16="http://schemas.microsoft.com/office/drawing/2014/main" id="{44025C26-EA6E-CA44-9156-06D44CE8496E}"/>
+              </a:ext>
+            </a:extLst>
+          </p:cNvPr>
+          <p:cNvSpPr/>
+          <p:nvPr/>
+        </p:nvSpPr>
+        <p:spPr>
+          <a:xfrm>
+            <a:off x="15509194" y="-2946865"/>
+            <a:ext cx="96238" cy="45719"/>
+          </a:xfrm>
+          <a:prstGeom prst="rect">
+            <a:avLst/>
+          </a:prstGeom>
+          <a:solidFill>
+            <a:srgbClr val="17304F"/>
+          </a:solidFill>
+        </p:spPr>
+        <p:style>
+          <a:lnRef idx="2">
+            <a:schemeClr val="accent1">
+              <a:shade val="50000"/>
+            </a:schemeClr>
+          </a:lnRef>
+          <a:fillRef idx="1">
+            <a:schemeClr val="accent1"/>
+          </a:fillRef>
+          <a:effectRef idx="0">
+            <a:schemeClr val="accent1"/>
+          </a:effectRef>
+          <a:fontRef idx="minor">
+            <a:schemeClr val="lt1"/>
+          </a:fontRef>
+        </p:style>
+        <p:txBody>
+          <a:bodyPr rtlCol="0" anchor="ctr"/>
+          <a:lstStyle/>
+          <a:p>
+            <a:pPr algn="ctr"/>
+            <a:r>
+              <a:rPr lang="en-CH" dirty="0"/>
+              <a:t>VM</a:t>
+            </a:r>
+          </a:p>
+        </p:txBody>
+      </p:sp>
+      <p:pic>
+        <p:nvPicPr>
+          <p:cNvPr id="1026" name="Picture 2">
+            <a:extLst>
+              <a:ext uri="{FF2B5EF4-FFF2-40B4-BE49-F238E27FC236}">
+                <a16:creationId xmlns:a16="http://schemas.microsoft.com/office/drawing/2014/main" id="{076FD1FB-2F44-394F-99E6-695CAB287CE4}"/>
+              </a:ext>
+            </a:extLst>
+          </p:cNvPr>
+          <p:cNvPicPr>
+            <a:picLocks noChangeAspect="1" noChangeArrowheads="1"/>
+          </p:cNvPicPr>
+          <p:nvPr/>
+        </p:nvPicPr>
+        <p:blipFill>
+          <a:blip r:embed="rId9">
+            <a:extLst>
+              <a:ext uri="{28A0092B-C50C-407E-A947-70E740481C1C}">
+                <a14:useLocalDpi xmlns:a14="http://schemas.microsoft.com/office/drawing/2010/main" val="0"/>
+              </a:ext>
+            </a:extLst>
+          </a:blip>
+          <a:srcRect/>
+          <a:stretch>
+            <a:fillRect/>
+          </a:stretch>
+        </p:blipFill>
+        <p:spPr bwMode="auto">
+          <a:xfrm>
+            <a:off x="10042363" y="1723310"/>
+            <a:ext cx="495300" cy="609600"/>
+          </a:xfrm>
+          <a:prstGeom prst="rect">
+            <a:avLst/>
+          </a:prstGeom>
+          <a:noFill/>
+          <a:extLst>
+            <a:ext uri="{909E8E84-426E-40DD-AFC4-6F175D3DCCD1}">
+              <a14:hiddenFill xmlns:a14="http://schemas.microsoft.com/office/drawing/2010/main">
+                <a:solidFill>
+                  <a:srgbClr val="FFFFFF"/>
+                </a:solidFill>
+              </a14:hiddenFill>
+            </a:ext>
+          </a:extLst>
+        </p:spPr>
+      </p:pic>
+      <p:sp>
+        <p:nvSpPr>
+          <p:cNvPr id="2" name="Right Brace 1">
+            <a:extLst>
+              <a:ext uri="{FF2B5EF4-FFF2-40B4-BE49-F238E27FC236}">
+                <a16:creationId xmlns:a16="http://schemas.microsoft.com/office/drawing/2014/main" id="{060BA1A9-5BD2-DC48-8515-D5AE8EE49BC0}"/>
+              </a:ext>
+            </a:extLst>
+          </p:cNvPr>
+          <p:cNvSpPr/>
+          <p:nvPr/>
+        </p:nvSpPr>
+        <p:spPr>
+          <a:xfrm>
+            <a:off x="9296400" y="1758680"/>
+            <a:ext cx="261257" cy="2490032"/>
+          </a:xfrm>
+          <a:prstGeom prst="rightBrace">
+            <a:avLst/>
+          </a:prstGeom>
+          <a:ln w="28575">
+            <a:solidFill>
+              <a:srgbClr val="6798BF"/>
+            </a:solidFill>
+          </a:ln>
+        </p:spPr>
+        <p:style>
+          <a:lnRef idx="1">
+            <a:schemeClr val="accent1"/>
+          </a:lnRef>
+          <a:fillRef idx="0">
+            <a:schemeClr val="accent1"/>
+          </a:fillRef>
+          <a:effectRef idx="0">
+            <a:schemeClr val="accent1"/>
+          </a:effectRef>
+          <a:fontRef idx="minor">
+            <a:schemeClr val="tx1"/>
+          </a:fontRef>
+        </p:style>
+        <p:txBody>
+          <a:bodyPr rtlCol="0" anchor="ctr"/>
+          <a:lstStyle/>
+          <a:p>
+            <a:pPr algn="ctr"/>
+            <a:endParaRPr lang="en-CH"/>
+          </a:p>
+        </p:txBody>
+      </p:sp>
+      <p:sp>
+        <p:nvSpPr>
+          <p:cNvPr id="6" name="Bent Arrow 5">
+            <a:extLst>
+              <a:ext uri="{FF2B5EF4-FFF2-40B4-BE49-F238E27FC236}">
+                <a16:creationId xmlns:a16="http://schemas.microsoft.com/office/drawing/2014/main" id="{5B6AF4D6-C11C-C94E-BC00-7643C8A4D6CC}"/>
+              </a:ext>
+            </a:extLst>
+          </p:cNvPr>
+          <p:cNvSpPr/>
+          <p:nvPr/>
+        </p:nvSpPr>
+        <p:spPr>
+          <a:xfrm rot="10800000">
+            <a:off x="9674214" y="2422722"/>
+            <a:ext cx="703133" cy="723248"/>
+          </a:xfrm>
+          <a:prstGeom prst="bentArrow">
+            <a:avLst>
+              <a:gd name="adj1" fmla="val 21904"/>
+              <a:gd name="adj2" fmla="val 19581"/>
+              <a:gd name="adj3" fmla="val 21904"/>
+              <a:gd name="adj4" fmla="val 39106"/>
+            </a:avLst>
+          </a:prstGeom>
+          <a:solidFill>
+            <a:srgbClr val="6798BF"/>
+          </a:solidFill>
+          <a:ln>
+            <a:solidFill>
+              <a:srgbClr val="6798BF"/>
+            </a:solidFill>
+          </a:ln>
+        </p:spPr>
+        <p:style>
+          <a:lnRef idx="2">
+            <a:schemeClr val="accent1">
+              <a:shade val="50000"/>
+            </a:schemeClr>
+          </a:lnRef>
+          <a:fillRef idx="1">
+            <a:schemeClr val="accent1"/>
+          </a:fillRef>
+          <a:effectRef idx="0">
+            <a:schemeClr val="accent1"/>
+          </a:effectRef>
+          <a:fontRef idx="minor">
+            <a:schemeClr val="lt1"/>
+          </a:fontRef>
+        </p:style>
+        <p:txBody>
+          <a:bodyPr rtlCol="0" anchor="ctr"/>
+          <a:lstStyle/>
+          <a:p>
+            <a:pPr algn="ctr"/>
+            <a:endParaRPr lang="en-CH">
+              <a:solidFill>
+                <a:schemeClr val="tx1"/>
+              </a:solidFill>
+            </a:endParaRPr>
+          </a:p>
+        </p:txBody>
+      </p:sp>
     </p:spTree>
     <p:extLst>
       <p:ext uri="{BB962C8B-B14F-4D97-AF65-F5344CB8AC3E}">

--- a/public/images/diagrams.pptx
+++ b/public/images/diagrams.pptx
@@ -6,6 +6,7 @@
   </p:sldMasterIdLst>
   <p:sldIdLst>
     <p:sldId id="256" r:id="rId2"/>
+    <p:sldId id="257" r:id="rId3"/>
   </p:sldIdLst>
   <p:sldSz cx="12192000" cy="6858000"/>
   <p:notesSz cx="6858000" cy="9144000"/>
@@ -261,7 +262,7 @@
           <a:p>
             <a:fld id="{8D69976C-125B-AB49-9CB6-1841D07C855B}" type="datetimeFigureOut">
               <a:rPr lang="en-CH" smtClean="0"/>
-              <a:t>08.09.20</a:t>
+              <a:t>09.09.20</a:t>
             </a:fld>
             <a:endParaRPr lang="en-CH"/>
           </a:p>
@@ -461,7 +462,7 @@
           <a:p>
             <a:fld id="{8D69976C-125B-AB49-9CB6-1841D07C855B}" type="datetimeFigureOut">
               <a:rPr lang="en-CH" smtClean="0"/>
-              <a:t>08.09.20</a:t>
+              <a:t>09.09.20</a:t>
             </a:fld>
             <a:endParaRPr lang="en-CH"/>
           </a:p>
@@ -671,7 +672,7 @@
           <a:p>
             <a:fld id="{8D69976C-125B-AB49-9CB6-1841D07C855B}" type="datetimeFigureOut">
               <a:rPr lang="en-CH" smtClean="0"/>
-              <a:t>08.09.20</a:t>
+              <a:t>09.09.20</a:t>
             </a:fld>
             <a:endParaRPr lang="en-CH"/>
           </a:p>
@@ -871,7 +872,7 @@
           <a:p>
             <a:fld id="{8D69976C-125B-AB49-9CB6-1841D07C855B}" type="datetimeFigureOut">
               <a:rPr lang="en-CH" smtClean="0"/>
-              <a:t>08.09.20</a:t>
+              <a:t>09.09.20</a:t>
             </a:fld>
             <a:endParaRPr lang="en-CH"/>
           </a:p>
@@ -1147,7 +1148,7 @@
           <a:p>
             <a:fld id="{8D69976C-125B-AB49-9CB6-1841D07C855B}" type="datetimeFigureOut">
               <a:rPr lang="en-CH" smtClean="0"/>
-              <a:t>08.09.20</a:t>
+              <a:t>09.09.20</a:t>
             </a:fld>
             <a:endParaRPr lang="en-CH"/>
           </a:p>
@@ -1415,7 +1416,7 @@
           <a:p>
             <a:fld id="{8D69976C-125B-AB49-9CB6-1841D07C855B}" type="datetimeFigureOut">
               <a:rPr lang="en-CH" smtClean="0"/>
-              <a:t>08.09.20</a:t>
+              <a:t>09.09.20</a:t>
             </a:fld>
             <a:endParaRPr lang="en-CH"/>
           </a:p>
@@ -1830,7 +1831,7 @@
           <a:p>
             <a:fld id="{8D69976C-125B-AB49-9CB6-1841D07C855B}" type="datetimeFigureOut">
               <a:rPr lang="en-CH" smtClean="0"/>
-              <a:t>08.09.20</a:t>
+              <a:t>09.09.20</a:t>
             </a:fld>
             <a:endParaRPr lang="en-CH"/>
           </a:p>
@@ -1972,7 +1973,7 @@
           <a:p>
             <a:fld id="{8D69976C-125B-AB49-9CB6-1841D07C855B}" type="datetimeFigureOut">
               <a:rPr lang="en-CH" smtClean="0"/>
-              <a:t>08.09.20</a:t>
+              <a:t>09.09.20</a:t>
             </a:fld>
             <a:endParaRPr lang="en-CH"/>
           </a:p>
@@ -2085,7 +2086,7 @@
           <a:p>
             <a:fld id="{8D69976C-125B-AB49-9CB6-1841D07C855B}" type="datetimeFigureOut">
               <a:rPr lang="en-CH" smtClean="0"/>
-              <a:t>08.09.20</a:t>
+              <a:t>09.09.20</a:t>
             </a:fld>
             <a:endParaRPr lang="en-CH"/>
           </a:p>
@@ -2398,7 +2399,7 @@
           <a:p>
             <a:fld id="{8D69976C-125B-AB49-9CB6-1841D07C855B}" type="datetimeFigureOut">
               <a:rPr lang="en-CH" smtClean="0"/>
-              <a:t>08.09.20</a:t>
+              <a:t>09.09.20</a:t>
             </a:fld>
             <a:endParaRPr lang="en-CH"/>
           </a:p>
@@ -2687,7 +2688,7 @@
           <a:p>
             <a:fld id="{8D69976C-125B-AB49-9CB6-1841D07C855B}" type="datetimeFigureOut">
               <a:rPr lang="en-CH" smtClean="0"/>
-              <a:t>08.09.20</a:t>
+              <a:t>09.09.20</a:t>
             </a:fld>
             <a:endParaRPr lang="en-CH"/>
           </a:p>
@@ -2930,7 +2931,7 @@
           <a:p>
             <a:fld id="{8D69976C-125B-AB49-9CB6-1841D07C855B}" type="datetimeFigureOut">
               <a:rPr lang="en-CH" smtClean="0"/>
-              <a:t>08.09.20</a:t>
+              <a:t>09.09.20</a:t>
             </a:fld>
             <a:endParaRPr lang="en-CH"/>
           </a:p>
@@ -5027,6 +5028,96 @@
 </p:sld>
 </file>
 
+<file path=ppt/slides/slide2.xml><?xml version="1.0" encoding="utf-8"?>
+<p:sld xmlns:a="http://schemas.openxmlformats.org/drawingml/2006/main" xmlns:r="http://schemas.openxmlformats.org/officeDocument/2006/relationships" xmlns:p="http://schemas.openxmlformats.org/presentationml/2006/main">
+  <p:cSld>
+    <p:spTree>
+      <p:nvGrpSpPr>
+        <p:cNvPr id="1" name=""/>
+        <p:cNvGrpSpPr/>
+        <p:nvPr/>
+      </p:nvGrpSpPr>
+      <p:grpSpPr>
+        <a:xfrm>
+          <a:off x="0" y="0"/>
+          <a:ext cx="0" cy="0"/>
+          <a:chOff x="0" y="0"/>
+          <a:chExt cx="0" cy="0"/>
+        </a:xfrm>
+      </p:grpSpPr>
+      <p:pic>
+        <p:nvPicPr>
+          <p:cNvPr id="9" name="Picture 8" descr="A picture containing game, food&#10;&#10;Description automatically generated">
+            <a:extLst>
+              <a:ext uri="{FF2B5EF4-FFF2-40B4-BE49-F238E27FC236}">
+                <a16:creationId xmlns:a16="http://schemas.microsoft.com/office/drawing/2014/main" id="{118902D9-215A-1A4A-B0A0-CA070CF0DB07}"/>
+              </a:ext>
+            </a:extLst>
+          </p:cNvPr>
+          <p:cNvPicPr>
+            <a:picLocks noChangeAspect="1"/>
+          </p:cNvPicPr>
+          <p:nvPr/>
+        </p:nvPicPr>
+        <p:blipFill>
+          <a:blip r:embed="rId2"/>
+          <a:stretch>
+            <a:fillRect/>
+          </a:stretch>
+        </p:blipFill>
+        <p:spPr>
+          <a:xfrm>
+            <a:off x="6409348" y="0"/>
+            <a:ext cx="3857625" cy="6858000"/>
+          </a:xfrm>
+          <a:prstGeom prst="rect">
+            <a:avLst/>
+          </a:prstGeom>
+        </p:spPr>
+      </p:pic>
+      <p:pic>
+        <p:nvPicPr>
+          <p:cNvPr id="11" name="Picture 10" descr="A picture containing racket, ball, court, player&#10;&#10;Description automatically generated">
+            <a:extLst>
+              <a:ext uri="{FF2B5EF4-FFF2-40B4-BE49-F238E27FC236}">
+                <a16:creationId xmlns:a16="http://schemas.microsoft.com/office/drawing/2014/main" id="{EE1A4A33-F654-C24C-8503-D1A0F6987D0B}"/>
+              </a:ext>
+            </a:extLst>
+          </p:cNvPr>
+          <p:cNvPicPr>
+            <a:picLocks noChangeAspect="1"/>
+          </p:cNvPicPr>
+          <p:nvPr/>
+        </p:nvPicPr>
+        <p:blipFill>
+          <a:blip r:embed="rId3"/>
+          <a:stretch>
+            <a:fillRect/>
+          </a:stretch>
+        </p:blipFill>
+        <p:spPr>
+          <a:xfrm>
+            <a:off x="1925029" y="0"/>
+            <a:ext cx="3857625" cy="6858000"/>
+          </a:xfrm>
+          <a:prstGeom prst="rect">
+            <a:avLst/>
+          </a:prstGeom>
+        </p:spPr>
+      </p:pic>
+    </p:spTree>
+    <p:extLst>
+      <p:ext uri="{BB962C8B-B14F-4D97-AF65-F5344CB8AC3E}">
+        <p14:creationId xmlns:p14="http://schemas.microsoft.com/office/powerpoint/2010/main" val="268252925"/>
+      </p:ext>
+    </p:extLst>
+  </p:cSld>
+  <p:clrMapOvr>
+    <a:masterClrMapping/>
+  </p:clrMapOvr>
+</p:sld>
+</file>
+
 <file path=ppt/theme/theme1.xml><?xml version="1.0" encoding="utf-8"?>
 <a:theme xmlns:a="http://schemas.openxmlformats.org/drawingml/2006/main" name="Office Theme">
   <a:themeElements>
